--- a/Documentation/TeamReptile - Presentation.pptx
+++ b/Documentation/TeamReptile - Presentation.pptx
@@ -147,7 +147,7 @@
   </p:defaultTextStyle>
   <p:extLst>
     <p:ext uri="{EFAFB233-063F-42B5-8137-9DF3F51BA10A}">
-      <p15:sldGuideLst xmlns="" xmlns:p15="http://schemas.microsoft.com/office/powerpoint/2012/main">
+      <p15:sldGuideLst xmlns:p15="http://schemas.microsoft.com/office/powerpoint/2012/main" xmlns="">
         <p15:guide id="1" orient="horz" pos="2160">
           <p15:clr>
             <a:srgbClr val="A4A3A4"/>
@@ -161,7 +161,7 @@
       </p15:sldGuideLst>
     </p:ext>
     <p:ext uri="{2D200454-40CA-4A62-9FC3-DE9A4176ACB9}">
-      <p15:notesGuideLst xmlns="" xmlns:p15="http://schemas.microsoft.com/office/powerpoint/2012/main">
+      <p15:notesGuideLst xmlns:p15="http://schemas.microsoft.com/office/powerpoint/2012/main" xmlns="">
         <p15:guide id="1" orient="horz" pos="2928">
           <p15:clr>
             <a:srgbClr val="A4A3A4"/>
@@ -6241,11 +6241,7 @@
           <a:p>
             <a:r>
               <a:rPr lang="en-US" dirty="0" smtClean="0"/>
-              <a:t>Game: </a:t>
-            </a:r>
-            <a:r>
-              <a:rPr lang="en-US" dirty="0" smtClean="0"/>
-              <a:t>Super Mario</a:t>
+              <a:t>Game: Super Mario</a:t>
             </a:r>
             <a:endParaRPr lang="en-US" dirty="0"/>
           </a:p>
@@ -6404,11 +6400,7 @@
             </a:pPr>
             <a:r>
               <a:rPr lang="en-US" sz="4800" dirty="0" smtClean="0"/>
-              <a:t>Teamwork </a:t>
-            </a:r>
-            <a:r>
-              <a:rPr lang="en-US" sz="4800" dirty="0" smtClean="0"/>
-              <a:t>JavaScript </a:t>
+              <a:t>Teamwork JavaScript </a:t>
             </a:r>
             <a:br>
               <a:rPr lang="en-US" sz="4800" dirty="0" smtClean="0"/>
@@ -6443,11 +6435,7 @@
           <a:p>
             <a:r>
               <a:rPr lang="en-US" dirty="0" smtClean="0"/>
-              <a:t>Team </a:t>
-            </a:r>
-            <a:r>
-              <a:rPr lang="en-US" dirty="0" smtClean="0"/>
-              <a:t>“Reptile”</a:t>
+              <a:t>Team “Reptile”</a:t>
             </a:r>
             <a:endParaRPr lang="bg-BG" dirty="0"/>
           </a:p>
@@ -7029,18 +7017,6 @@
               </a:rPr>
               <a:t>Mario</a:t>
             </a:r>
-            <a:endParaRPr lang="en-US" sz="3600" b="1" dirty="0" smtClean="0">
-              <a:solidFill>
-                <a:srgbClr val="DEFF9B"/>
-              </a:solidFill>
-              <a:effectLst>
-                <a:outerShdw blurRad="38100" dist="38100" dir="2700000" algn="tl">
-                  <a:srgbClr val="000000">
-                    <a:alpha val="43137"/>
-                  </a:srgbClr>
-                </a:outerShdw>
-              </a:effectLst>
-            </a:endParaRPr>
           </a:p>
           <a:p>
             <a:pPr marL="342900" indent="-342900">
@@ -7230,7 +7206,7 @@
         <p:spPr bwMode="auto">
           <a:xfrm>
             <a:off x="1339453" y="2793395"/>
-            <a:ext cx="6331742" cy="3151490"/>
+            <a:ext cx="6331742" cy="3226405"/>
           </a:xfrm>
           <a:prstGeom prst="rect">
             <a:avLst/>
@@ -7729,23 +7705,7 @@
                   </a:outerShdw>
                 </a:effectLst>
               </a:rPr>
-              <a:t>    </a:t>
-            </a:r>
-            <a:r>
-              <a:rPr lang="en-US" dirty="0" smtClean="0">
-                <a:ln w="0"/>
-                <a:solidFill>
-                  <a:schemeClr val="tx1"/>
-                </a:solidFill>
-                <a:effectLst>
-                  <a:outerShdw blurRad="38100" dist="19050" dir="2700000" algn="tl" rotWithShape="0">
-                    <a:schemeClr val="dk1">
-                      <a:alpha val="40000"/>
-                    </a:schemeClr>
-                  </a:outerShdw>
-                </a:effectLst>
-              </a:rPr>
-              <a:t>Super Mario</a:t>
+              <a:t>    Super Mario</a:t>
             </a:r>
             <a:endParaRPr lang="en-US" dirty="0">
               <a:ln w="0"/>
@@ -7771,7 +7731,7 @@
         </p:nvSpPr>
         <p:spPr>
           <a:xfrm>
-            <a:off x="1769332" y="2154936"/>
+            <a:off x="1524000" y="2180113"/>
             <a:ext cx="1754144" cy="638459"/>
           </a:xfrm>
           <a:custGeom>
@@ -7947,7 +7907,7 @@
         </p:nvSpPr>
         <p:spPr>
           <a:xfrm>
-            <a:off x="2082132" y="2200666"/>
+            <a:off x="1836800" y="2225843"/>
             <a:ext cx="941283" cy="477054"/>
           </a:xfrm>
           <a:prstGeom prst="rect">
@@ -7990,7 +7950,7 @@
         </p:nvSpPr>
         <p:spPr>
           <a:xfrm>
-            <a:off x="4343400" y="5638800"/>
+            <a:off x="5838824" y="5715000"/>
             <a:ext cx="2590800" cy="1004242"/>
           </a:xfrm>
           <a:custGeom>
@@ -8290,23 +8250,7 @@
                   </a:outerShdw>
                 </a:effectLst>
               </a:rPr>
-              <a:t>    </a:t>
-            </a:r>
-            <a:r>
-              <a:rPr lang="en-US" dirty="0" smtClean="0">
-                <a:ln w="0"/>
-                <a:solidFill>
-                  <a:schemeClr val="tx1"/>
-                </a:solidFill>
-                <a:effectLst>
-                  <a:outerShdw blurRad="38100" dist="19050" dir="2700000" algn="tl" rotWithShape="0">
-                    <a:schemeClr val="dk1">
-                      <a:alpha val="40000"/>
-                    </a:schemeClr>
-                  </a:outerShdw>
-                </a:effectLst>
-              </a:rPr>
-              <a:t>Enemies</a:t>
+              <a:t>    Enemies</a:t>
             </a:r>
             <a:endParaRPr lang="en-US" dirty="0">
               <a:ln w="0"/>
@@ -8557,14 +8501,575 @@
         </p:blipFill>
         <p:spPr>
           <a:xfrm>
-            <a:off x="1487538" y="3071830"/>
-            <a:ext cx="6035570" cy="2423658"/>
+            <a:off x="1491448" y="3071830"/>
+            <a:ext cx="6027750" cy="2423658"/>
           </a:xfrm>
           <a:prstGeom prst="rect">
             <a:avLst/>
           </a:prstGeom>
         </p:spPr>
       </p:pic>
+      <p:sp>
+        <p:nvSpPr>
+          <p:cNvPr id="4" name="Rounded Rectangle 1"/>
+          <p:cNvSpPr/>
+          <p:nvPr/>
+        </p:nvSpPr>
+        <p:spPr>
+          <a:xfrm>
+            <a:off x="1023939" y="3429000"/>
+            <a:ext cx="1754144" cy="638459"/>
+          </a:xfrm>
+          <a:custGeom>
+            <a:avLst/>
+            <a:gdLst>
+              <a:gd name="connsiteX0" fmla="*/ 0 w 1524000"/>
+              <a:gd name="connsiteY0" fmla="*/ 143263 h 859562"/>
+              <a:gd name="connsiteX1" fmla="*/ 143263 w 1524000"/>
+              <a:gd name="connsiteY1" fmla="*/ 0 h 859562"/>
+              <a:gd name="connsiteX2" fmla="*/ 1380737 w 1524000"/>
+              <a:gd name="connsiteY2" fmla="*/ 0 h 859562"/>
+              <a:gd name="connsiteX3" fmla="*/ 1524000 w 1524000"/>
+              <a:gd name="connsiteY3" fmla="*/ 143263 h 859562"/>
+              <a:gd name="connsiteX4" fmla="*/ 1524000 w 1524000"/>
+              <a:gd name="connsiteY4" fmla="*/ 716299 h 859562"/>
+              <a:gd name="connsiteX5" fmla="*/ 1380737 w 1524000"/>
+              <a:gd name="connsiteY5" fmla="*/ 859562 h 859562"/>
+              <a:gd name="connsiteX6" fmla="*/ 143263 w 1524000"/>
+              <a:gd name="connsiteY6" fmla="*/ 859562 h 859562"/>
+              <a:gd name="connsiteX7" fmla="*/ 0 w 1524000"/>
+              <a:gd name="connsiteY7" fmla="*/ 716299 h 859562"/>
+              <a:gd name="connsiteX8" fmla="*/ 0 w 1524000"/>
+              <a:gd name="connsiteY8" fmla="*/ 143263 h 859562"/>
+              <a:gd name="connsiteX0" fmla="*/ 0 w 1754144"/>
+              <a:gd name="connsiteY0" fmla="*/ 143263 h 943259"/>
+              <a:gd name="connsiteX1" fmla="*/ 143263 w 1754144"/>
+              <a:gd name="connsiteY1" fmla="*/ 0 h 943259"/>
+              <a:gd name="connsiteX2" fmla="*/ 1380737 w 1754144"/>
+              <a:gd name="connsiteY2" fmla="*/ 0 h 943259"/>
+              <a:gd name="connsiteX3" fmla="*/ 1524000 w 1754144"/>
+              <a:gd name="connsiteY3" fmla="*/ 143263 h 943259"/>
+              <a:gd name="connsiteX4" fmla="*/ 1524000 w 1754144"/>
+              <a:gd name="connsiteY4" fmla="*/ 716299 h 943259"/>
+              <a:gd name="connsiteX5" fmla="*/ 1752600 w 1754144"/>
+              <a:gd name="connsiteY5" fmla="*/ 939800 h 943259"/>
+              <a:gd name="connsiteX6" fmla="*/ 1380737 w 1754144"/>
+              <a:gd name="connsiteY6" fmla="*/ 859562 h 943259"/>
+              <a:gd name="connsiteX7" fmla="*/ 143263 w 1754144"/>
+              <a:gd name="connsiteY7" fmla="*/ 859562 h 943259"/>
+              <a:gd name="connsiteX8" fmla="*/ 0 w 1754144"/>
+              <a:gd name="connsiteY8" fmla="*/ 716299 h 943259"/>
+              <a:gd name="connsiteX9" fmla="*/ 0 w 1754144"/>
+              <a:gd name="connsiteY9" fmla="*/ 143263 h 943259"/>
+            </a:gdLst>
+            <a:ahLst/>
+            <a:cxnLst>
+              <a:cxn ang="0">
+                <a:pos x="connsiteX0" y="connsiteY0"/>
+              </a:cxn>
+              <a:cxn ang="0">
+                <a:pos x="connsiteX1" y="connsiteY1"/>
+              </a:cxn>
+              <a:cxn ang="0">
+                <a:pos x="connsiteX2" y="connsiteY2"/>
+              </a:cxn>
+              <a:cxn ang="0">
+                <a:pos x="connsiteX3" y="connsiteY3"/>
+              </a:cxn>
+              <a:cxn ang="0">
+                <a:pos x="connsiteX4" y="connsiteY4"/>
+              </a:cxn>
+              <a:cxn ang="0">
+                <a:pos x="connsiteX5" y="connsiteY5"/>
+              </a:cxn>
+              <a:cxn ang="0">
+                <a:pos x="connsiteX6" y="connsiteY6"/>
+              </a:cxn>
+              <a:cxn ang="0">
+                <a:pos x="connsiteX7" y="connsiteY7"/>
+              </a:cxn>
+              <a:cxn ang="0">
+                <a:pos x="connsiteX8" y="connsiteY8"/>
+              </a:cxn>
+              <a:cxn ang="0">
+                <a:pos x="connsiteX9" y="connsiteY9"/>
+              </a:cxn>
+            </a:cxnLst>
+            <a:rect l="l" t="t" r="r" b="b"/>
+            <a:pathLst>
+              <a:path w="1754144" h="943259">
+                <a:moveTo>
+                  <a:pt x="0" y="143263"/>
+                </a:moveTo>
+                <a:cubicBezTo>
+                  <a:pt x="0" y="64141"/>
+                  <a:pt x="64141" y="0"/>
+                  <a:pt x="143263" y="0"/>
+                </a:cubicBezTo>
+                <a:lnTo>
+                  <a:pt x="1380737" y="0"/>
+                </a:lnTo>
+                <a:cubicBezTo>
+                  <a:pt x="1459859" y="0"/>
+                  <a:pt x="1524000" y="64141"/>
+                  <a:pt x="1524000" y="143263"/>
+                </a:cubicBezTo>
+                <a:lnTo>
+                  <a:pt x="1524000" y="716299"/>
+                </a:lnTo>
+                <a:cubicBezTo>
+                  <a:pt x="1515533" y="832122"/>
+                  <a:pt x="1776477" y="915923"/>
+                  <a:pt x="1752600" y="939800"/>
+                </a:cubicBezTo>
+                <a:cubicBezTo>
+                  <a:pt x="1728723" y="963677"/>
+                  <a:pt x="1602393" y="856002"/>
+                  <a:pt x="1380737" y="859562"/>
+                </a:cubicBezTo>
+                <a:lnTo>
+                  <a:pt x="143263" y="859562"/>
+                </a:lnTo>
+                <a:cubicBezTo>
+                  <a:pt x="64141" y="859562"/>
+                  <a:pt x="0" y="795421"/>
+                  <a:pt x="0" y="716299"/>
+                </a:cubicBezTo>
+                <a:lnTo>
+                  <a:pt x="0" y="143263"/>
+                </a:lnTo>
+                <a:close/>
+              </a:path>
+            </a:pathLst>
+          </a:custGeom>
+          <a:solidFill>
+            <a:schemeClr val="bg1">
+              <a:lumMod val="95000"/>
+              <a:lumOff val="5000"/>
+            </a:schemeClr>
+          </a:solidFill>
+          <a:ln>
+            <a:solidFill>
+              <a:schemeClr val="tx2"/>
+            </a:solidFill>
+          </a:ln>
+          <a:effectLst>
+            <a:glow rad="101600">
+              <a:schemeClr val="accent4">
+                <a:satMod val="175000"/>
+                <a:alpha val="40000"/>
+              </a:schemeClr>
+            </a:glow>
+          </a:effectLst>
+        </p:spPr>
+        <p:style>
+          <a:lnRef idx="2">
+            <a:schemeClr val="accent6"/>
+          </a:lnRef>
+          <a:fillRef idx="1">
+            <a:schemeClr val="lt1"/>
+          </a:fillRef>
+          <a:effectRef idx="0">
+            <a:schemeClr val="accent6"/>
+          </a:effectRef>
+          <a:fontRef idx="minor">
+            <a:schemeClr val="dk1"/>
+          </a:fontRef>
+        </p:style>
+        <p:txBody>
+          <a:bodyPr rtlCol="0" anchor="ctr"/>
+          <a:lstStyle/>
+          <a:p>
+            <a:pPr algn="ctr"/>
+            <a:endParaRPr lang="en-US" dirty="0"/>
+          </a:p>
+        </p:txBody>
+      </p:sp>
+      <p:sp>
+        <p:nvSpPr>
+          <p:cNvPr id="6" name="Rectangle 5"/>
+          <p:cNvSpPr/>
+          <p:nvPr/>
+        </p:nvSpPr>
+        <p:spPr>
+          <a:xfrm>
+            <a:off x="1381623" y="3474730"/>
+            <a:ext cx="851515" cy="477054"/>
+          </a:xfrm>
+          <a:prstGeom prst="rect">
+            <a:avLst/>
+          </a:prstGeom>
+        </p:spPr>
+        <p:txBody>
+          <a:bodyPr wrap="none">
+            <a:spAutoFit/>
+          </a:bodyPr>
+          <a:lstStyle/>
+          <a:p>
+            <a:pPr algn="ctr"/>
+            <a:r>
+              <a:rPr lang="en-US" dirty="0" smtClean="0">
+                <a:ln w="0"/>
+                <a:solidFill>
+                  <a:srgbClr val="CCFF66"/>
+                </a:solidFill>
+                <a:effectLst>
+                  <a:outerShdw blurRad="38100" dist="19050" dir="2700000" algn="tl" rotWithShape="0">
+                    <a:prstClr val="black">
+                      <a:alpha val="40000"/>
+                    </a:prstClr>
+                  </a:outerShdw>
+                </a:effectLst>
+                <a:latin typeface="Corbel"/>
+              </a:rPr>
+              <a:t>Coin </a:t>
+            </a:r>
+            <a:endParaRPr lang="en-US" dirty="0"/>
+          </a:p>
+        </p:txBody>
+      </p:sp>
+      <p:sp>
+        <p:nvSpPr>
+          <p:cNvPr id="7" name="Rounded Rectangle 22"/>
+          <p:cNvSpPr/>
+          <p:nvPr/>
+        </p:nvSpPr>
+        <p:spPr>
+          <a:xfrm>
+            <a:off x="4023360" y="5334000"/>
+            <a:ext cx="2590800" cy="1004242"/>
+          </a:xfrm>
+          <a:custGeom>
+            <a:avLst/>
+            <a:gdLst>
+              <a:gd name="connsiteX0" fmla="*/ 0 w 2057400"/>
+              <a:gd name="connsiteY0" fmla="*/ 165103 h 990600"/>
+              <a:gd name="connsiteX1" fmla="*/ 165103 w 2057400"/>
+              <a:gd name="connsiteY1" fmla="*/ 0 h 990600"/>
+              <a:gd name="connsiteX2" fmla="*/ 1892297 w 2057400"/>
+              <a:gd name="connsiteY2" fmla="*/ 0 h 990600"/>
+              <a:gd name="connsiteX3" fmla="*/ 2057400 w 2057400"/>
+              <a:gd name="connsiteY3" fmla="*/ 165103 h 990600"/>
+              <a:gd name="connsiteX4" fmla="*/ 2057400 w 2057400"/>
+              <a:gd name="connsiteY4" fmla="*/ 825497 h 990600"/>
+              <a:gd name="connsiteX5" fmla="*/ 1892297 w 2057400"/>
+              <a:gd name="connsiteY5" fmla="*/ 990600 h 990600"/>
+              <a:gd name="connsiteX6" fmla="*/ 165103 w 2057400"/>
+              <a:gd name="connsiteY6" fmla="*/ 990600 h 990600"/>
+              <a:gd name="connsiteX7" fmla="*/ 0 w 2057400"/>
+              <a:gd name="connsiteY7" fmla="*/ 825497 h 990600"/>
+              <a:gd name="connsiteX8" fmla="*/ 0 w 2057400"/>
+              <a:gd name="connsiteY8" fmla="*/ 165103 h 990600"/>
+              <a:gd name="connsiteX0" fmla="*/ 0 w 2057400"/>
+              <a:gd name="connsiteY0" fmla="*/ 165103 h 990600"/>
+              <a:gd name="connsiteX1" fmla="*/ 165103 w 2057400"/>
+              <a:gd name="connsiteY1" fmla="*/ 0 h 990600"/>
+              <a:gd name="connsiteX2" fmla="*/ 1892297 w 2057400"/>
+              <a:gd name="connsiteY2" fmla="*/ 0 h 990600"/>
+              <a:gd name="connsiteX3" fmla="*/ 2057400 w 2057400"/>
+              <a:gd name="connsiteY3" fmla="*/ 165103 h 990600"/>
+              <a:gd name="connsiteX4" fmla="*/ 2057400 w 2057400"/>
+              <a:gd name="connsiteY4" fmla="*/ 825497 h 990600"/>
+              <a:gd name="connsiteX5" fmla="*/ 1892297 w 2057400"/>
+              <a:gd name="connsiteY5" fmla="*/ 990600 h 990600"/>
+              <a:gd name="connsiteX6" fmla="*/ 165103 w 2057400"/>
+              <a:gd name="connsiteY6" fmla="*/ 990600 h 990600"/>
+              <a:gd name="connsiteX7" fmla="*/ 0 w 2057400"/>
+              <a:gd name="connsiteY7" fmla="*/ 825497 h 990600"/>
+              <a:gd name="connsiteX8" fmla="*/ 0 w 2057400"/>
+              <a:gd name="connsiteY8" fmla="*/ 165103 h 990600"/>
+              <a:gd name="connsiteX0" fmla="*/ 0 w 2057400"/>
+              <a:gd name="connsiteY0" fmla="*/ 165103 h 990600"/>
+              <a:gd name="connsiteX1" fmla="*/ 165103 w 2057400"/>
+              <a:gd name="connsiteY1" fmla="*/ 0 h 990600"/>
+              <a:gd name="connsiteX2" fmla="*/ 1892297 w 2057400"/>
+              <a:gd name="connsiteY2" fmla="*/ 0 h 990600"/>
+              <a:gd name="connsiteX3" fmla="*/ 2057400 w 2057400"/>
+              <a:gd name="connsiteY3" fmla="*/ 165103 h 990600"/>
+              <a:gd name="connsiteX4" fmla="*/ 2057400 w 2057400"/>
+              <a:gd name="connsiteY4" fmla="*/ 825497 h 990600"/>
+              <a:gd name="connsiteX5" fmla="*/ 1892297 w 2057400"/>
+              <a:gd name="connsiteY5" fmla="*/ 990600 h 990600"/>
+              <a:gd name="connsiteX6" fmla="*/ 165103 w 2057400"/>
+              <a:gd name="connsiteY6" fmla="*/ 990600 h 990600"/>
+              <a:gd name="connsiteX7" fmla="*/ 0 w 2057400"/>
+              <a:gd name="connsiteY7" fmla="*/ 825497 h 990600"/>
+              <a:gd name="connsiteX8" fmla="*/ 0 w 2057400"/>
+              <a:gd name="connsiteY8" fmla="*/ 165103 h 990600"/>
+              <a:gd name="connsiteX0" fmla="*/ 0 w 2057400"/>
+              <a:gd name="connsiteY0" fmla="*/ 165103 h 990600"/>
+              <a:gd name="connsiteX1" fmla="*/ 165103 w 2057400"/>
+              <a:gd name="connsiteY1" fmla="*/ 0 h 990600"/>
+              <a:gd name="connsiteX2" fmla="*/ 1892297 w 2057400"/>
+              <a:gd name="connsiteY2" fmla="*/ 0 h 990600"/>
+              <a:gd name="connsiteX3" fmla="*/ 2057400 w 2057400"/>
+              <a:gd name="connsiteY3" fmla="*/ 165103 h 990600"/>
+              <a:gd name="connsiteX4" fmla="*/ 2057400 w 2057400"/>
+              <a:gd name="connsiteY4" fmla="*/ 825497 h 990600"/>
+              <a:gd name="connsiteX5" fmla="*/ 1892297 w 2057400"/>
+              <a:gd name="connsiteY5" fmla="*/ 990600 h 990600"/>
+              <a:gd name="connsiteX6" fmla="*/ 165103 w 2057400"/>
+              <a:gd name="connsiteY6" fmla="*/ 990600 h 990600"/>
+              <a:gd name="connsiteX7" fmla="*/ 0 w 2057400"/>
+              <a:gd name="connsiteY7" fmla="*/ 825497 h 990600"/>
+              <a:gd name="connsiteX8" fmla="*/ 0 w 2057400"/>
+              <a:gd name="connsiteY8" fmla="*/ 165103 h 990600"/>
+              <a:gd name="connsiteX0" fmla="*/ 0 w 2057400"/>
+              <a:gd name="connsiteY0" fmla="*/ 165103 h 990600"/>
+              <a:gd name="connsiteX1" fmla="*/ 165103 w 2057400"/>
+              <a:gd name="connsiteY1" fmla="*/ 0 h 990600"/>
+              <a:gd name="connsiteX2" fmla="*/ 1892297 w 2057400"/>
+              <a:gd name="connsiteY2" fmla="*/ 0 h 990600"/>
+              <a:gd name="connsiteX3" fmla="*/ 2057400 w 2057400"/>
+              <a:gd name="connsiteY3" fmla="*/ 165103 h 990600"/>
+              <a:gd name="connsiteX4" fmla="*/ 2057400 w 2057400"/>
+              <a:gd name="connsiteY4" fmla="*/ 825497 h 990600"/>
+              <a:gd name="connsiteX5" fmla="*/ 1892297 w 2057400"/>
+              <a:gd name="connsiteY5" fmla="*/ 990600 h 990600"/>
+              <a:gd name="connsiteX6" fmla="*/ 165103 w 2057400"/>
+              <a:gd name="connsiteY6" fmla="*/ 990600 h 990600"/>
+              <a:gd name="connsiteX7" fmla="*/ 0 w 2057400"/>
+              <a:gd name="connsiteY7" fmla="*/ 825497 h 990600"/>
+              <a:gd name="connsiteX8" fmla="*/ 0 w 2057400"/>
+              <a:gd name="connsiteY8" fmla="*/ 165103 h 990600"/>
+              <a:gd name="connsiteX0" fmla="*/ 0 w 2057400"/>
+              <a:gd name="connsiteY0" fmla="*/ 165103 h 990600"/>
+              <a:gd name="connsiteX1" fmla="*/ 165103 w 2057400"/>
+              <a:gd name="connsiteY1" fmla="*/ 0 h 990600"/>
+              <a:gd name="connsiteX2" fmla="*/ 1892297 w 2057400"/>
+              <a:gd name="connsiteY2" fmla="*/ 0 h 990600"/>
+              <a:gd name="connsiteX3" fmla="*/ 2057400 w 2057400"/>
+              <a:gd name="connsiteY3" fmla="*/ 165103 h 990600"/>
+              <a:gd name="connsiteX4" fmla="*/ 2057400 w 2057400"/>
+              <a:gd name="connsiteY4" fmla="*/ 825497 h 990600"/>
+              <a:gd name="connsiteX5" fmla="*/ 1892297 w 2057400"/>
+              <a:gd name="connsiteY5" fmla="*/ 990600 h 990600"/>
+              <a:gd name="connsiteX6" fmla="*/ 165103 w 2057400"/>
+              <a:gd name="connsiteY6" fmla="*/ 990600 h 990600"/>
+              <a:gd name="connsiteX7" fmla="*/ 0 w 2057400"/>
+              <a:gd name="connsiteY7" fmla="*/ 825497 h 990600"/>
+              <a:gd name="connsiteX8" fmla="*/ 0 w 2057400"/>
+              <a:gd name="connsiteY8" fmla="*/ 165103 h 990600"/>
+              <a:gd name="connsiteX0" fmla="*/ 344345 w 2401745"/>
+              <a:gd name="connsiteY0" fmla="*/ 712145 h 1537642"/>
+              <a:gd name="connsiteX1" fmla="*/ 1445 w 2401745"/>
+              <a:gd name="connsiteY1" fmla="*/ 942 h 1537642"/>
+              <a:gd name="connsiteX2" fmla="*/ 509448 w 2401745"/>
+              <a:gd name="connsiteY2" fmla="*/ 547042 h 1537642"/>
+              <a:gd name="connsiteX3" fmla="*/ 2236642 w 2401745"/>
+              <a:gd name="connsiteY3" fmla="*/ 547042 h 1537642"/>
+              <a:gd name="connsiteX4" fmla="*/ 2401745 w 2401745"/>
+              <a:gd name="connsiteY4" fmla="*/ 712145 h 1537642"/>
+              <a:gd name="connsiteX5" fmla="*/ 2401745 w 2401745"/>
+              <a:gd name="connsiteY5" fmla="*/ 1372539 h 1537642"/>
+              <a:gd name="connsiteX6" fmla="*/ 2236642 w 2401745"/>
+              <a:gd name="connsiteY6" fmla="*/ 1537642 h 1537642"/>
+              <a:gd name="connsiteX7" fmla="*/ 509448 w 2401745"/>
+              <a:gd name="connsiteY7" fmla="*/ 1537642 h 1537642"/>
+              <a:gd name="connsiteX8" fmla="*/ 344345 w 2401745"/>
+              <a:gd name="connsiteY8" fmla="*/ 1372539 h 1537642"/>
+              <a:gd name="connsiteX9" fmla="*/ 344345 w 2401745"/>
+              <a:gd name="connsiteY9" fmla="*/ 712145 h 1537642"/>
+            </a:gdLst>
+            <a:ahLst/>
+            <a:cxnLst>
+              <a:cxn ang="0">
+                <a:pos x="connsiteX0" y="connsiteY0"/>
+              </a:cxn>
+              <a:cxn ang="0">
+                <a:pos x="connsiteX1" y="connsiteY1"/>
+              </a:cxn>
+              <a:cxn ang="0">
+                <a:pos x="connsiteX2" y="connsiteY2"/>
+              </a:cxn>
+              <a:cxn ang="0">
+                <a:pos x="connsiteX3" y="connsiteY3"/>
+              </a:cxn>
+              <a:cxn ang="0">
+                <a:pos x="connsiteX4" y="connsiteY4"/>
+              </a:cxn>
+              <a:cxn ang="0">
+                <a:pos x="connsiteX5" y="connsiteY5"/>
+              </a:cxn>
+              <a:cxn ang="0">
+                <a:pos x="connsiteX6" y="connsiteY6"/>
+              </a:cxn>
+              <a:cxn ang="0">
+                <a:pos x="connsiteX7" y="connsiteY7"/>
+              </a:cxn>
+              <a:cxn ang="0">
+                <a:pos x="connsiteX8" y="connsiteY8"/>
+              </a:cxn>
+              <a:cxn ang="0">
+                <a:pos x="connsiteX9" y="connsiteY9"/>
+              </a:cxn>
+            </a:cxnLst>
+            <a:rect l="l" t="t" r="r" b="b"/>
+            <a:pathLst>
+              <a:path w="2401745" h="1537642">
+                <a:moveTo>
+                  <a:pt x="344345" y="712145"/>
+                </a:moveTo>
+                <a:cubicBezTo>
+                  <a:pt x="348578" y="585146"/>
+                  <a:pt x="-26072" y="28459"/>
+                  <a:pt x="1445" y="942"/>
+                </a:cubicBezTo>
+                <a:cubicBezTo>
+                  <a:pt x="28962" y="-26575"/>
+                  <a:pt x="198298" y="557625"/>
+                  <a:pt x="509448" y="547042"/>
+                </a:cubicBezTo>
+                <a:lnTo>
+                  <a:pt x="2236642" y="547042"/>
+                </a:lnTo>
+                <a:cubicBezTo>
+                  <a:pt x="2327826" y="547042"/>
+                  <a:pt x="2401745" y="620961"/>
+                  <a:pt x="2401745" y="712145"/>
+                </a:cubicBezTo>
+                <a:lnTo>
+                  <a:pt x="2401745" y="1372539"/>
+                </a:lnTo>
+                <a:cubicBezTo>
+                  <a:pt x="2401745" y="1463723"/>
+                  <a:pt x="2327826" y="1537642"/>
+                  <a:pt x="2236642" y="1537642"/>
+                </a:cubicBezTo>
+                <a:lnTo>
+                  <a:pt x="509448" y="1537642"/>
+                </a:lnTo>
+                <a:cubicBezTo>
+                  <a:pt x="418264" y="1537642"/>
+                  <a:pt x="344345" y="1463723"/>
+                  <a:pt x="344345" y="1372539"/>
+                </a:cubicBezTo>
+                <a:lnTo>
+                  <a:pt x="344345" y="712145"/>
+                </a:lnTo>
+                <a:close/>
+              </a:path>
+            </a:pathLst>
+          </a:custGeom>
+          <a:solidFill>
+            <a:schemeClr val="bg1">
+              <a:lumMod val="95000"/>
+              <a:lumOff val="5000"/>
+            </a:schemeClr>
+          </a:solidFill>
+          <a:ln>
+            <a:solidFill>
+              <a:schemeClr val="tx2"/>
+            </a:solidFill>
+          </a:ln>
+          <a:effectLst>
+            <a:glow rad="101600">
+              <a:schemeClr val="accent4">
+                <a:satMod val="175000"/>
+                <a:alpha val="40000"/>
+              </a:schemeClr>
+            </a:glow>
+          </a:effectLst>
+        </p:spPr>
+        <p:style>
+          <a:lnRef idx="2">
+            <a:schemeClr val="accent6"/>
+          </a:lnRef>
+          <a:fillRef idx="1">
+            <a:schemeClr val="lt1"/>
+          </a:fillRef>
+          <a:effectRef idx="0">
+            <a:schemeClr val="accent6"/>
+          </a:effectRef>
+          <a:fontRef idx="minor">
+            <a:schemeClr val="dk1"/>
+          </a:fontRef>
+        </p:style>
+        <p:txBody>
+          <a:bodyPr rtlCol="0" anchor="ctr"/>
+          <a:lstStyle/>
+          <a:p>
+            <a:pPr algn="ctr"/>
+            <a:endParaRPr lang="en-US" dirty="0" smtClean="0">
+              <a:ln w="0"/>
+              <a:solidFill>
+                <a:schemeClr val="tx1"/>
+              </a:solidFill>
+              <a:effectLst>
+                <a:outerShdw blurRad="38100" dist="19050" dir="2700000" algn="tl" rotWithShape="0">
+                  <a:schemeClr val="dk1">
+                    <a:alpha val="40000"/>
+                  </a:schemeClr>
+                </a:outerShdw>
+              </a:effectLst>
+            </a:endParaRPr>
+          </a:p>
+          <a:p>
+            <a:pPr algn="ctr"/>
+            <a:r>
+              <a:rPr lang="en-US" dirty="0">
+                <a:ln w="0"/>
+                <a:solidFill>
+                  <a:schemeClr val="tx1"/>
+                </a:solidFill>
+                <a:effectLst>
+                  <a:outerShdw blurRad="38100" dist="19050" dir="2700000" algn="tl" rotWithShape="0">
+                    <a:schemeClr val="dk1">
+                      <a:alpha val="40000"/>
+                    </a:schemeClr>
+                  </a:outerShdw>
+                </a:effectLst>
+              </a:rPr>
+              <a:t> </a:t>
+            </a:r>
+            <a:r>
+              <a:rPr lang="en-US" dirty="0" smtClean="0">
+                <a:ln w="0"/>
+                <a:solidFill>
+                  <a:schemeClr val="tx1"/>
+                </a:solidFill>
+                <a:effectLst>
+                  <a:outerShdw blurRad="38100" dist="19050" dir="2700000" algn="tl" rotWithShape="0">
+                    <a:schemeClr val="dk1">
+                      <a:alpha val="40000"/>
+                    </a:schemeClr>
+                  </a:outerShdw>
+                </a:effectLst>
+              </a:rPr>
+              <a:t>    </a:t>
+            </a:r>
+            <a:r>
+              <a:rPr lang="en-US" dirty="0" smtClean="0">
+                <a:ln w="0"/>
+                <a:solidFill>
+                  <a:schemeClr val="tx1"/>
+                </a:solidFill>
+                <a:effectLst>
+                  <a:outerShdw blurRad="38100" dist="19050" dir="2700000" algn="tl" rotWithShape="0">
+                    <a:schemeClr val="dk1">
+                      <a:alpha val="40000"/>
+                    </a:schemeClr>
+                  </a:outerShdw>
+                </a:effectLst>
+              </a:rPr>
+              <a:t>Dead enemy</a:t>
+            </a:r>
+            <a:endParaRPr lang="en-US" dirty="0">
+              <a:ln w="0"/>
+              <a:solidFill>
+                <a:schemeClr val="tx1"/>
+              </a:solidFill>
+              <a:effectLst>
+                <a:outerShdw blurRad="38100" dist="19050" dir="2700000" algn="tl" rotWithShape="0">
+                  <a:schemeClr val="dk1">
+                    <a:alpha val="40000"/>
+                  </a:schemeClr>
+                </a:outerShdw>
+              </a:effectLst>
+            </a:endParaRPr>
+          </a:p>
+        </p:txBody>
+      </p:sp>
     </p:spTree>
     <p:extLst>
       <p:ext uri="{BB962C8B-B14F-4D97-AF65-F5344CB8AC3E}">
@@ -8798,8 +9303,8 @@
         </p:blipFill>
         <p:spPr>
           <a:xfrm>
-            <a:off x="1496914" y="3071830"/>
-            <a:ext cx="6016817" cy="2423658"/>
+            <a:off x="1496914" y="3072135"/>
+            <a:ext cx="6016817" cy="2423047"/>
           </a:xfrm>
           <a:prstGeom prst="rect">
             <a:avLst/>
@@ -9109,22 +9614,7 @@
                   </a:outerShdw>
                 </a:effectLst>
               </a:rPr>
-              <a:t>Диана </a:t>
-            </a:r>
-            <a:r>
-              <a:rPr lang="bg-BG" sz="3600" b="1" dirty="0" smtClean="0">
-                <a:solidFill>
-                  <a:srgbClr val="DEFF9B"/>
-                </a:solidFill>
-                <a:effectLst>
-                  <a:outerShdw blurRad="38100" dist="38100" dir="2700000" algn="tl">
-                    <a:srgbClr val="000000">
-                      <a:alpha val="43137"/>
-                    </a:srgbClr>
-                  </a:outerShdw>
-                </a:effectLst>
-              </a:rPr>
-              <a:t>Станчева</a:t>
+              <a:t>Диана Станчева</a:t>
             </a:r>
             <a:endParaRPr lang="bg-BG" sz="3600" b="1" dirty="0">
               <a:solidFill>
@@ -9192,18 +9682,6 @@
               </a:rPr>
               <a:t>Николай Кичев</a:t>
             </a:r>
-            <a:endParaRPr lang="bg-BG" sz="3600" b="1" dirty="0" smtClean="0">
-              <a:solidFill>
-                <a:srgbClr val="DEFF9B"/>
-              </a:solidFill>
-              <a:effectLst>
-                <a:outerShdw blurRad="38100" dist="38100" dir="2700000" algn="tl">
-                  <a:srgbClr val="000000">
-                    <a:alpha val="43137"/>
-                  </a:srgbClr>
-                </a:outerShdw>
-              </a:effectLst>
-            </a:endParaRPr>
           </a:p>
           <a:p>
             <a:pPr marL="342900" lvl="0" indent="-342900">
@@ -9225,18 +9703,6 @@
               </a:rPr>
               <a:t>Самуил Петров</a:t>
             </a:r>
-            <a:endParaRPr lang="bg-BG" sz="3600" b="1" dirty="0" smtClean="0">
-              <a:solidFill>
-                <a:srgbClr val="DEFF9B"/>
-              </a:solidFill>
-              <a:effectLst>
-                <a:outerShdw blurRad="38100" dist="38100" dir="2700000" algn="tl">
-                  <a:srgbClr val="000000">
-                    <a:alpha val="43137"/>
-                  </a:srgbClr>
-                </a:outerShdw>
-              </a:effectLst>
-            </a:endParaRPr>
           </a:p>
           <a:p>
             <a:pPr marL="342900" lvl="0" indent="-342900">
@@ -9258,18 +9724,6 @@
               </a:rPr>
               <a:t>Андрей Благоев</a:t>
             </a:r>
-            <a:endParaRPr lang="bg-BG" sz="3600" b="1" dirty="0" smtClean="0">
-              <a:solidFill>
-                <a:srgbClr val="FF0000"/>
-              </a:solidFill>
-              <a:effectLst>
-                <a:outerShdw blurRad="38100" dist="38100" dir="2700000" algn="tl">
-                  <a:srgbClr val="000000">
-                    <a:alpha val="43137"/>
-                  </a:srgbClr>
-                </a:outerShdw>
-              </a:effectLst>
-            </a:endParaRPr>
           </a:p>
         </p:txBody>
       </p:sp>
